--- a/clustering&fitting.pptx
+++ b/clustering&fitting.pptx
@@ -4480,13 +4480,6 @@
               <a:t>a </a:t>
             </a:r>
             <a:r>
-              <a:rPr lang="en-US" sz="16000" spc="43" dirty="0">
-                <a:latin typeface="Lucida Sans Unicode"/>
-                <a:cs typeface="Lucida Sans Unicode"/>
-              </a:rPr>
-              <a:t> </a:t>
-            </a:r>
-            <a:r>
               <a:rPr lang="en-US" sz="16000" spc="85" dirty="0">
                 <a:latin typeface="Lucida Sans Unicode"/>
                 <a:cs typeface="Lucida Sans Unicode"/>
@@ -4824,8 +4817,6 @@
               <a:spcBef>
                 <a:spcPts val="511"/>
               </a:spcBef>
-              <a:buFont typeface="Arial" panose="020B0604020202020204" pitchFamily="34" charset="0"/>
-              <a:buChar char="•"/>
             </a:pPr>
             <a:r>
               <a:rPr lang="en-US" sz="16000" spc="-191" dirty="0">
@@ -5262,459 +5253,18 @@
               <a:t>this poster. </a:t>
             </a:r>
             <a:r>
+              <a:rPr lang="en-US" sz="16000" spc="-191" dirty="0">
+                <a:latin typeface="Lucida Sans Unicode"/>
+                <a:cs typeface="Lucida Sans Unicode"/>
+              </a:rPr>
+              <a:t>The data is obtained in CSV format. </a:t>
+            </a:r>
+            <a:r>
               <a:rPr lang="en-US" sz="16000" spc="11" dirty="0">
                 <a:latin typeface="Lucida Sans Unicode"/>
                 <a:cs typeface="Lucida Sans Unicode"/>
               </a:rPr>
-              <a:t>From </a:t>
-            </a:r>
-            <a:r>
-              <a:rPr lang="en-US" sz="16000" spc="-21" dirty="0">
-                <a:latin typeface="Lucida Sans Unicode"/>
-                <a:cs typeface="Lucida Sans Unicode"/>
-              </a:rPr>
-              <a:t>1960 </a:t>
-            </a:r>
-            <a:r>
-              <a:rPr lang="en-US" sz="16000" spc="64" dirty="0">
-                <a:latin typeface="Lucida Sans Unicode"/>
-                <a:cs typeface="Lucida Sans Unicode"/>
-              </a:rPr>
-              <a:t>to </a:t>
-            </a:r>
-            <a:r>
-              <a:rPr lang="en-US" sz="16000" spc="-64" dirty="0">
-                <a:latin typeface="Lucida Sans Unicode"/>
-                <a:cs typeface="Lucida Sans Unicode"/>
-              </a:rPr>
-              <a:t>2020, </a:t>
-            </a:r>
-            <a:r>
-              <a:rPr lang="en-US" sz="16000" spc="-149" dirty="0">
-                <a:latin typeface="Lucida Sans Unicode"/>
-                <a:cs typeface="Lucida Sans Unicode"/>
-              </a:rPr>
-              <a:t>295 </a:t>
-            </a:r>
-            <a:r>
-              <a:rPr lang="en-US" sz="16000" spc="-11" dirty="0">
-                <a:latin typeface="Lucida Sans Unicode"/>
-                <a:cs typeface="Lucida Sans Unicode"/>
-              </a:rPr>
-              <a:t>nations </a:t>
-            </a:r>
-            <a:r>
-              <a:rPr lang="en-US" sz="16000" spc="11" dirty="0">
-                <a:latin typeface="Lucida Sans Unicode"/>
-                <a:cs typeface="Lucida Sans Unicode"/>
-              </a:rPr>
-              <a:t>and </a:t>
-            </a:r>
-            <a:r>
-              <a:rPr lang="en-US" sz="16000" spc="-53" dirty="0">
-                <a:latin typeface="Lucida Sans Unicode"/>
-                <a:cs typeface="Lucida Sans Unicode"/>
-              </a:rPr>
-              <a:t>regions </a:t>
-            </a:r>
-            <a:r>
-              <a:rPr lang="en-US" sz="16000" spc="21" dirty="0">
-                <a:latin typeface="Lucida Sans Unicode"/>
-                <a:cs typeface="Lucida Sans Unicode"/>
-              </a:rPr>
-              <a:t>are </a:t>
-            </a:r>
-            <a:r>
-              <a:rPr lang="en-US" sz="16000" spc="-11" dirty="0">
-                <a:latin typeface="Lucida Sans Unicode"/>
-                <a:cs typeface="Lucida Sans Unicode"/>
-              </a:rPr>
-              <a:t>included. </a:t>
-            </a:r>
-            <a:r>
-              <a:rPr lang="en-US" sz="16000" spc="11" dirty="0">
-                <a:latin typeface="Lucida Sans Unicode"/>
-                <a:cs typeface="Lucida Sans Unicode"/>
-              </a:rPr>
-              <a:t>In </a:t>
-            </a:r>
-            <a:r>
-              <a:rPr lang="en-US" sz="16000" spc="-11" dirty="0">
-                <a:latin typeface="Lucida Sans Unicode"/>
-                <a:cs typeface="Lucida Sans Unicode"/>
-              </a:rPr>
-              <a:t>this poster, </a:t>
-            </a:r>
-            <a:r>
-              <a:rPr lang="en-US" sz="16000" spc="32" dirty="0">
-                <a:latin typeface="Lucida Sans Unicode"/>
-                <a:cs typeface="Lucida Sans Unicode"/>
-              </a:rPr>
-              <a:t>only years </a:t>
-            </a:r>
-            <a:r>
-              <a:rPr lang="en-US" sz="16000" dirty="0">
-                <a:latin typeface="Lucida Sans Unicode"/>
-                <a:cs typeface="Lucida Sans Unicode"/>
-              </a:rPr>
-              <a:t>from </a:t>
-            </a:r>
-            <a:r>
-              <a:rPr lang="en-US" sz="16000" spc="-117" dirty="0">
-                <a:latin typeface="Lucida Sans Unicode"/>
-                <a:cs typeface="Lucida Sans Unicode"/>
-              </a:rPr>
-              <a:t>1995 </a:t>
-            </a:r>
-            <a:r>
-              <a:rPr lang="en-US" sz="16000" spc="-32" dirty="0">
-                <a:latin typeface="Lucida Sans Unicode"/>
-                <a:cs typeface="Lucida Sans Unicode"/>
-              </a:rPr>
-              <a:t>through 2020 </a:t>
-            </a:r>
-            <a:r>
-              <a:rPr lang="en-US" sz="16000" spc="21" dirty="0">
-                <a:latin typeface="Lucida Sans Unicode"/>
-                <a:cs typeface="Lucida Sans Unicode"/>
-              </a:rPr>
-              <a:t>are </a:t>
-            </a:r>
-            <a:r>
-              <a:rPr lang="en-US" sz="16000" spc="-43" dirty="0">
-                <a:latin typeface="Lucida Sans Unicode"/>
-                <a:cs typeface="Lucida Sans Unicode"/>
-              </a:rPr>
-              <a:t>u</a:t>
-            </a:r>
-            <a:r>
-              <a:rPr lang="en-US" sz="16000" spc="-53" dirty="0">
-                <a:latin typeface="Lucida Sans Unicode"/>
-                <a:cs typeface="Lucida Sans Unicode"/>
-              </a:rPr>
-              <a:t>s</a:t>
-            </a:r>
-            <a:r>
-              <a:rPr lang="en-US" sz="16000" spc="43" dirty="0">
-                <a:latin typeface="Lucida Sans Unicode"/>
-                <a:cs typeface="Lucida Sans Unicode"/>
-              </a:rPr>
-              <a:t>e</a:t>
-            </a:r>
-            <a:r>
-              <a:rPr lang="en-US" sz="16000" spc="32" dirty="0">
-                <a:latin typeface="Lucida Sans Unicode"/>
-                <a:cs typeface="Lucida Sans Unicode"/>
-              </a:rPr>
-              <a:t>d</a:t>
-            </a:r>
-            <a:r>
-              <a:rPr lang="en-US" sz="16000" spc="-191" dirty="0">
-                <a:latin typeface="Lucida Sans Unicode"/>
-                <a:cs typeface="Lucida Sans Unicode"/>
-              </a:rPr>
-              <a:t>.</a:t>
-            </a:r>
-            <a:r>
-              <a:rPr lang="en-US" sz="16000" spc="-255" dirty="0">
-                <a:latin typeface="Lucida Sans Unicode"/>
-                <a:cs typeface="Lucida Sans Unicode"/>
-              </a:rPr>
-              <a:t> </a:t>
-            </a:r>
-            <a:r>
-              <a:rPr lang="en-US" sz="16000" spc="-191" dirty="0">
-                <a:latin typeface="Lucida Sans Unicode"/>
-                <a:cs typeface="Lucida Sans Unicode"/>
-              </a:rPr>
-              <a:t>T</a:t>
-            </a:r>
-            <a:r>
-              <a:rPr lang="en-US" sz="16000" spc="-21" dirty="0">
-                <a:latin typeface="Lucida Sans Unicode"/>
-                <a:cs typeface="Lucida Sans Unicode"/>
-              </a:rPr>
-              <a:t>h</a:t>
-            </a:r>
-            <a:r>
-              <a:rPr lang="en-US" sz="16000" spc="53" dirty="0">
-                <a:latin typeface="Lucida Sans Unicode"/>
-                <a:cs typeface="Lucida Sans Unicode"/>
-              </a:rPr>
-              <a:t>e</a:t>
-            </a:r>
-            <a:r>
-              <a:rPr lang="en-US" sz="16000" spc="-255" dirty="0">
-                <a:latin typeface="Lucida Sans Unicode"/>
-                <a:cs typeface="Lucida Sans Unicode"/>
-              </a:rPr>
-              <a:t> </a:t>
-            </a:r>
-            <a:r>
-              <a:rPr lang="en-US" sz="16000" spc="11" dirty="0">
-                <a:latin typeface="Lucida Sans Unicode"/>
-                <a:cs typeface="Lucida Sans Unicode"/>
-              </a:rPr>
-              <a:t>C</a:t>
-            </a:r>
-            <a:r>
-              <a:rPr lang="en-US" sz="16000" spc="243" dirty="0">
-                <a:latin typeface="Lucida Sans Unicode"/>
-                <a:cs typeface="Lucida Sans Unicode"/>
-              </a:rPr>
-              <a:t>S</a:t>
-            </a:r>
-            <a:r>
-              <a:rPr lang="en-US" sz="16000" spc="43" dirty="0">
-                <a:latin typeface="Lucida Sans Unicode"/>
-                <a:cs typeface="Lucida Sans Unicode"/>
-              </a:rPr>
-              <a:t>V</a:t>
-            </a:r>
-            <a:r>
-              <a:rPr lang="en-US" sz="16000" spc="-255" dirty="0">
-                <a:latin typeface="Lucida Sans Unicode"/>
-                <a:cs typeface="Lucida Sans Unicode"/>
-              </a:rPr>
-              <a:t> </a:t>
-            </a:r>
-            <a:r>
-              <a:rPr lang="en-US" sz="16000" spc="43" dirty="0">
-                <a:latin typeface="Lucida Sans Unicode"/>
-                <a:cs typeface="Lucida Sans Unicode"/>
-              </a:rPr>
-              <a:t>f</a:t>
-            </a:r>
-            <a:r>
-              <a:rPr lang="en-US" sz="16000" dirty="0">
-                <a:latin typeface="Lucida Sans Unicode"/>
-                <a:cs typeface="Lucida Sans Unicode"/>
-              </a:rPr>
-              <a:t>o</a:t>
-            </a:r>
-            <a:r>
-              <a:rPr lang="en-US" sz="16000" spc="11" dirty="0">
-                <a:latin typeface="Lucida Sans Unicode"/>
-                <a:cs typeface="Lucida Sans Unicode"/>
-              </a:rPr>
-              <a:t>r</a:t>
-            </a:r>
-            <a:r>
-              <a:rPr lang="en-US" sz="16000" spc="-74" dirty="0">
-                <a:latin typeface="Lucida Sans Unicode"/>
-                <a:cs typeface="Lucida Sans Unicode"/>
-              </a:rPr>
-              <a:t>m</a:t>
-            </a:r>
-            <a:r>
-              <a:rPr lang="en-US" sz="16000" dirty="0">
-                <a:latin typeface="Lucida Sans Unicode"/>
-                <a:cs typeface="Lucida Sans Unicode"/>
-              </a:rPr>
-              <a:t>a</a:t>
-            </a:r>
-            <a:r>
-              <a:rPr lang="en-US" sz="16000" spc="117" dirty="0">
-                <a:latin typeface="Lucida Sans Unicode"/>
-                <a:cs typeface="Lucida Sans Unicode"/>
-              </a:rPr>
-              <a:t>t</a:t>
-            </a:r>
-            <a:r>
-              <a:rPr lang="en-US" sz="16000" spc="-255" dirty="0">
-                <a:latin typeface="Lucida Sans Unicode"/>
-                <a:cs typeface="Lucida Sans Unicode"/>
-              </a:rPr>
-              <a:t> </a:t>
-            </a:r>
-            <a:r>
-              <a:rPr lang="en-US" sz="16000" spc="-96" dirty="0">
-                <a:latin typeface="Lucida Sans Unicode"/>
-                <a:cs typeface="Lucida Sans Unicode"/>
-              </a:rPr>
-              <a:t>i</a:t>
-            </a:r>
-            <a:r>
-              <a:rPr lang="en-US" sz="16000" spc="-43" dirty="0">
-                <a:latin typeface="Lucida Sans Unicode"/>
-                <a:cs typeface="Lucida Sans Unicode"/>
-              </a:rPr>
-              <a:t>s</a:t>
-            </a:r>
-            <a:r>
-              <a:rPr lang="en-US" sz="16000" spc="-255" dirty="0">
-                <a:latin typeface="Lucida Sans Unicode"/>
-                <a:cs typeface="Lucida Sans Unicode"/>
-              </a:rPr>
-              <a:t> </a:t>
-            </a:r>
-            <a:r>
-              <a:rPr lang="en-US" sz="16000" spc="-43" dirty="0">
-                <a:latin typeface="Lucida Sans Unicode"/>
-                <a:cs typeface="Lucida Sans Unicode"/>
-              </a:rPr>
-              <a:t>u</a:t>
-            </a:r>
-            <a:r>
-              <a:rPr lang="en-US" sz="16000" spc="-53" dirty="0">
-                <a:latin typeface="Lucida Sans Unicode"/>
-                <a:cs typeface="Lucida Sans Unicode"/>
-              </a:rPr>
-              <a:t>s</a:t>
-            </a:r>
-            <a:r>
-              <a:rPr lang="en-US" sz="16000" spc="43" dirty="0">
-                <a:latin typeface="Lucida Sans Unicode"/>
-                <a:cs typeface="Lucida Sans Unicode"/>
-              </a:rPr>
-              <a:t>ed</a:t>
-            </a:r>
-            <a:r>
-              <a:rPr lang="en-US" sz="16000" spc="-255" dirty="0">
-                <a:latin typeface="Lucida Sans Unicode"/>
-                <a:cs typeface="Lucida Sans Unicode"/>
-              </a:rPr>
-              <a:t> </a:t>
-            </a:r>
-            <a:r>
-              <a:rPr lang="en-US" sz="16000" spc="106" dirty="0">
-                <a:latin typeface="Lucida Sans Unicode"/>
-                <a:cs typeface="Lucida Sans Unicode"/>
-              </a:rPr>
-              <a:t>t</a:t>
-            </a:r>
-            <a:r>
-              <a:rPr lang="en-US" sz="16000" spc="11" dirty="0">
-                <a:latin typeface="Lucida Sans Unicode"/>
-                <a:cs typeface="Lucida Sans Unicode"/>
-              </a:rPr>
-              <a:t>o</a:t>
-            </a:r>
-            <a:r>
-              <a:rPr lang="en-US" sz="16000" spc="-255" dirty="0">
-                <a:latin typeface="Lucida Sans Unicode"/>
-                <a:cs typeface="Lucida Sans Unicode"/>
-              </a:rPr>
-              <a:t> </a:t>
-            </a:r>
-            <a:r>
-              <a:rPr lang="en-US" sz="16000" dirty="0">
-                <a:latin typeface="Lucida Sans Unicode"/>
-                <a:cs typeface="Lucida Sans Unicode"/>
-              </a:rPr>
-              <a:t>a</a:t>
-            </a:r>
-            <a:r>
-              <a:rPr lang="en-US" sz="16000" spc="138" dirty="0">
-                <a:latin typeface="Lucida Sans Unicode"/>
-                <a:cs typeface="Lucida Sans Unicode"/>
-              </a:rPr>
-              <a:t>c</a:t>
-            </a:r>
-            <a:r>
-              <a:rPr lang="en-US" sz="16000" spc="32" dirty="0">
-                <a:latin typeface="Lucida Sans Unicode"/>
-                <a:cs typeface="Lucida Sans Unicode"/>
-              </a:rPr>
-              <a:t>q</a:t>
-            </a:r>
-            <a:r>
-              <a:rPr lang="en-US" sz="16000" spc="-43" dirty="0">
-                <a:latin typeface="Lucida Sans Unicode"/>
-                <a:cs typeface="Lucida Sans Unicode"/>
-              </a:rPr>
-              <a:t>u</a:t>
-            </a:r>
-            <a:r>
-              <a:rPr lang="en-US" sz="16000" spc="-96" dirty="0">
-                <a:latin typeface="Lucida Sans Unicode"/>
-                <a:cs typeface="Lucida Sans Unicode"/>
-              </a:rPr>
-              <a:t>i</a:t>
-            </a:r>
-            <a:r>
-              <a:rPr lang="en-US" sz="16000" spc="11" dirty="0">
-                <a:latin typeface="Lucida Sans Unicode"/>
-                <a:cs typeface="Lucida Sans Unicode"/>
-              </a:rPr>
-              <a:t>r</a:t>
-            </a:r>
-            <a:r>
-              <a:rPr lang="en-US" sz="16000" spc="53" dirty="0">
-                <a:latin typeface="Lucida Sans Unicode"/>
-                <a:cs typeface="Lucida Sans Unicode"/>
-              </a:rPr>
-              <a:t>e</a:t>
-            </a:r>
-            <a:r>
-              <a:rPr lang="en-US" sz="16000" spc="-255" dirty="0">
-                <a:latin typeface="Lucida Sans Unicode"/>
-                <a:cs typeface="Lucida Sans Unicode"/>
-              </a:rPr>
-              <a:t> </a:t>
-            </a:r>
-            <a:r>
-              <a:rPr lang="en-US" sz="16000" spc="106" dirty="0">
-                <a:latin typeface="Lucida Sans Unicode"/>
-                <a:cs typeface="Lucida Sans Unicode"/>
-              </a:rPr>
-              <a:t>t</a:t>
-            </a:r>
-            <a:r>
-              <a:rPr lang="en-US" sz="16000" spc="-21" dirty="0">
-                <a:latin typeface="Lucida Sans Unicode"/>
-                <a:cs typeface="Lucida Sans Unicode"/>
-              </a:rPr>
-              <a:t>h</a:t>
-            </a:r>
-            <a:r>
-              <a:rPr lang="en-US" sz="16000" spc="53" dirty="0">
-                <a:latin typeface="Lucida Sans Unicode"/>
-                <a:cs typeface="Lucida Sans Unicode"/>
-              </a:rPr>
-              <a:t>e</a:t>
-            </a:r>
-            <a:r>
-              <a:rPr lang="en-US" sz="16000" spc="-255" dirty="0">
-                <a:latin typeface="Lucida Sans Unicode"/>
-                <a:cs typeface="Lucida Sans Unicode"/>
-              </a:rPr>
-              <a:t> </a:t>
-            </a:r>
-            <a:r>
-              <a:rPr lang="en-US" sz="16000" spc="32" dirty="0">
-                <a:latin typeface="Lucida Sans Unicode"/>
-                <a:cs typeface="Lucida Sans Unicode"/>
-              </a:rPr>
-              <a:t>d</a:t>
-            </a:r>
-            <a:r>
-              <a:rPr lang="en-US" sz="16000" dirty="0">
-                <a:latin typeface="Lucida Sans Unicode"/>
-                <a:cs typeface="Lucida Sans Unicode"/>
-              </a:rPr>
-              <a:t>a</a:t>
-            </a:r>
-            <a:r>
-              <a:rPr lang="en-US" sz="16000" spc="106" dirty="0">
-                <a:latin typeface="Lucida Sans Unicode"/>
-                <a:cs typeface="Lucida Sans Unicode"/>
-              </a:rPr>
-              <a:t>t</a:t>
-            </a:r>
-            <a:r>
-              <a:rPr lang="en-US" sz="16000" dirty="0">
-                <a:latin typeface="Lucida Sans Unicode"/>
-                <a:cs typeface="Lucida Sans Unicode"/>
-              </a:rPr>
-              <a:t>a</a:t>
-            </a:r>
-            <a:r>
-              <a:rPr lang="en-US" sz="16000" spc="-191" dirty="0">
-                <a:latin typeface="Lucida Sans Unicode"/>
-                <a:cs typeface="Lucida Sans Unicode"/>
-              </a:rPr>
-              <a:t>.</a:t>
+              <a:t>295 countries and regions are represented from 1960 to 2020, however, only the period from 1995 to 2020 is included in this poster.</a:t>
             </a:r>
             <a:endParaRPr lang="en-US" sz="16000" dirty="0">
               <a:latin typeface="Lucida Sans Unicode"/>
@@ -5737,210 +5287,7 @@
                 <a:latin typeface="Lucida Sans Unicode"/>
                 <a:cs typeface="Lucida Sans Unicode"/>
               </a:rPr>
-              <a:t>Few </a:t>
-            </a:r>
-            <a:r>
-              <a:rPr lang="en-US" sz="16000" spc="11" dirty="0">
-                <a:latin typeface="Lucida Sans Unicode"/>
-                <a:cs typeface="Lucida Sans Unicode"/>
-              </a:rPr>
-              <a:t>countries with </a:t>
-            </a:r>
-            <a:r>
-              <a:rPr lang="en-US" sz="16000" spc="-96" dirty="0">
-                <a:latin typeface="Lucida Sans Unicode"/>
-                <a:cs typeface="Lucida Sans Unicode"/>
-              </a:rPr>
-              <a:t>missing </a:t>
-            </a:r>
-            <a:r>
-              <a:rPr lang="en-US" sz="16000" spc="43" dirty="0">
-                <a:latin typeface="Lucida Sans Unicode"/>
-                <a:cs typeface="Lucida Sans Unicode"/>
-              </a:rPr>
-              <a:t>data </a:t>
-            </a:r>
-            <a:r>
-              <a:rPr lang="en-US" sz="16000" spc="21" dirty="0">
-                <a:latin typeface="Lucida Sans Unicode"/>
-                <a:cs typeface="Lucida Sans Unicode"/>
-              </a:rPr>
-              <a:t>are </a:t>
-            </a:r>
-            <a:r>
-              <a:rPr lang="en-US" sz="16000" spc="32" dirty="0">
-                <a:latin typeface="Lucida Sans Unicode"/>
-                <a:cs typeface="Lucida Sans Unicode"/>
-              </a:rPr>
-              <a:t>not </a:t>
-            </a:r>
-            <a:r>
-              <a:rPr lang="en-US" sz="16000" spc="-32" dirty="0">
-                <a:latin typeface="Lucida Sans Unicode"/>
-                <a:cs typeface="Lucida Sans Unicode"/>
-              </a:rPr>
-              <a:t>taken </a:t>
-            </a:r>
-            <a:r>
-              <a:rPr lang="en-US" sz="16000" dirty="0">
-                <a:latin typeface="Lucida Sans Unicode"/>
-                <a:cs typeface="Lucida Sans Unicode"/>
-              </a:rPr>
-              <a:t>into </a:t>
-            </a:r>
-            <a:r>
-              <a:rPr lang="en-US" sz="16000" spc="11" dirty="0">
-                <a:latin typeface="Lucida Sans Unicode"/>
-                <a:cs typeface="Lucida Sans Unicode"/>
-              </a:rPr>
-              <a:t>account. </a:t>
-            </a:r>
-            <a:r>
-              <a:rPr lang="en-US" sz="16000" spc="-53" dirty="0">
-                <a:latin typeface="Lucida Sans Unicode"/>
-                <a:cs typeface="Lucida Sans Unicode"/>
-              </a:rPr>
-              <a:t>The </a:t>
-            </a:r>
-            <a:r>
-              <a:rPr lang="en-US" sz="16000" spc="-11" dirty="0">
-                <a:latin typeface="Lucida Sans Unicode"/>
-                <a:cs typeface="Lucida Sans Unicode"/>
-              </a:rPr>
-              <a:t>information </a:t>
-            </a:r>
-            <a:r>
-              <a:rPr lang="en-US" sz="16000" spc="-74" dirty="0">
-                <a:latin typeface="Lucida Sans Unicode"/>
-                <a:cs typeface="Lucida Sans Unicode"/>
-              </a:rPr>
-              <a:t>is </a:t>
-            </a:r>
-            <a:r>
-              <a:rPr lang="en-US" sz="16000" spc="32" dirty="0">
-                <a:latin typeface="Lucida Sans Unicode"/>
-                <a:cs typeface="Lucida Sans Unicode"/>
-              </a:rPr>
-              <a:t>then </a:t>
-            </a:r>
-            <a:r>
-              <a:rPr lang="en-US" sz="16000" spc="11" dirty="0">
-                <a:latin typeface="Lucida Sans Unicode"/>
-                <a:cs typeface="Lucida Sans Unicode"/>
-              </a:rPr>
-              <a:t>combined with </a:t>
-            </a:r>
-            <a:r>
-              <a:rPr lang="en-US" sz="16000" spc="21" dirty="0">
-                <a:latin typeface="Lucida Sans Unicode"/>
-                <a:cs typeface="Lucida Sans Unicode"/>
-              </a:rPr>
-              <a:t>another </a:t>
-            </a:r>
-            <a:r>
-              <a:rPr lang="en-US" sz="16000" spc="32" dirty="0">
-                <a:latin typeface="Lucida Sans Unicode"/>
-                <a:cs typeface="Lucida Sans Unicode"/>
-              </a:rPr>
-              <a:t>dataset </a:t>
-            </a:r>
-            <a:r>
-              <a:rPr lang="en-US" sz="16000" spc="53" dirty="0">
-                <a:latin typeface="Lucida Sans Unicode"/>
-                <a:cs typeface="Lucida Sans Unicode"/>
-              </a:rPr>
-              <a:t>that </a:t>
-            </a:r>
-            <a:r>
-              <a:rPr lang="en-US" sz="16000" spc="11" dirty="0">
-                <a:latin typeface="Lucida Sans Unicode"/>
-                <a:cs typeface="Lucida Sans Unicode"/>
-              </a:rPr>
-              <a:t>contains </a:t>
-            </a:r>
-            <a:r>
-              <a:rPr lang="en-US" sz="16000" spc="21" dirty="0">
-                <a:latin typeface="Lucida Sans Unicode"/>
-                <a:cs typeface="Lucida Sans Unicode"/>
-              </a:rPr>
-              <a:t>continents</a:t>
-            </a:r>
-            <a:r>
-              <a:rPr lang="en-US" sz="16000" spc="-255" dirty="0">
-                <a:latin typeface="Lucida Sans Unicode"/>
-                <a:cs typeface="Lucida Sans Unicode"/>
-              </a:rPr>
-              <a:t> </a:t>
-            </a:r>
-            <a:r>
-              <a:rPr lang="en-US" sz="16000" spc="11" dirty="0">
-                <a:latin typeface="Lucida Sans Unicode"/>
-                <a:cs typeface="Lucida Sans Unicode"/>
-              </a:rPr>
-              <a:t>and</a:t>
-            </a:r>
-            <a:r>
-              <a:rPr lang="en-US" sz="16000" spc="-255" dirty="0">
-                <a:latin typeface="Lucida Sans Unicode"/>
-                <a:cs typeface="Lucida Sans Unicode"/>
-              </a:rPr>
-              <a:t> </a:t>
-            </a:r>
-            <a:r>
-              <a:rPr lang="en-US" sz="16000" spc="-43" dirty="0">
-                <a:latin typeface="Lucida Sans Unicode"/>
-                <a:cs typeface="Lucida Sans Unicode"/>
-              </a:rPr>
-              <a:t>subregions</a:t>
-            </a:r>
-            <a:r>
-              <a:rPr lang="en-US" sz="16000" spc="-243" dirty="0">
-                <a:latin typeface="Lucida Sans Unicode"/>
-                <a:cs typeface="Lucida Sans Unicode"/>
-              </a:rPr>
-              <a:t> </a:t>
-            </a:r>
-            <a:r>
-              <a:rPr lang="en-US" sz="16000" spc="21" dirty="0">
-                <a:latin typeface="Lucida Sans Unicode"/>
-                <a:cs typeface="Lucida Sans Unicode"/>
-              </a:rPr>
-              <a:t>for</a:t>
-            </a:r>
-            <a:r>
-              <a:rPr lang="en-US" sz="16000" spc="-255" dirty="0">
-                <a:latin typeface="Lucida Sans Unicode"/>
-                <a:cs typeface="Lucida Sans Unicode"/>
-              </a:rPr>
-              <a:t> </a:t>
-            </a:r>
-            <a:r>
-              <a:rPr lang="en-US" sz="16000" spc="85" dirty="0">
-                <a:latin typeface="Lucida Sans Unicode"/>
-                <a:cs typeface="Lucida Sans Unicode"/>
-              </a:rPr>
-              <a:t>every</a:t>
-            </a:r>
-            <a:r>
-              <a:rPr lang="en-US" sz="16000" spc="-255" dirty="0">
-                <a:latin typeface="Lucida Sans Unicode"/>
-                <a:cs typeface="Lucida Sans Unicode"/>
-              </a:rPr>
-              <a:t> </a:t>
-            </a:r>
-            <a:r>
-              <a:rPr lang="en-US" sz="16000" spc="-32" dirty="0">
-                <a:latin typeface="Lucida Sans Unicode"/>
-                <a:cs typeface="Lucida Sans Unicode"/>
-              </a:rPr>
-              <a:t>nation.</a:t>
-            </a:r>
-            <a:r>
-              <a:rPr lang="en-US" sz="16000" spc="-243" dirty="0">
-                <a:latin typeface="Lucida Sans Unicode"/>
-                <a:cs typeface="Lucida Sans Unicode"/>
-              </a:rPr>
-              <a:t> </a:t>
+              <a:t>Only a few countries lack data and therefore are not considered. Following that, the data is integrated with another dataset that lists the continents and subregions for each country. </a:t>
             </a:r>
             <a:r>
               <a:rPr lang="en-US" sz="16000" spc="-85" dirty="0">
@@ -7613,13 +6960,6 @@
               <a:t>next. </a:t>
             </a:r>
             <a:r>
-              <a:rPr lang="en-US" sz="16000" spc="-74" dirty="0">
-                <a:latin typeface="Lucida Sans Unicode"/>
-                <a:cs typeface="Lucida Sans Unicode"/>
-              </a:rPr>
-              <a:t> </a:t>
-            </a:r>
-            <a:r>
               <a:rPr lang="en-US" sz="16000" spc="-43" dirty="0">
                 <a:latin typeface="Lucida Sans Unicode"/>
                 <a:cs typeface="Lucida Sans Unicode"/>
@@ -7757,21 +7097,7 @@
                 <a:latin typeface="Lucida Sans Unicode"/>
                 <a:cs typeface="Lucida Sans Unicode"/>
               </a:rPr>
-              <a:t>structure, </a:t>
-            </a:r>
-            <a:r>
-              <a:rPr lang="en-US" sz="16000" spc="21" dirty="0">
-                <a:latin typeface="Lucida Sans Unicode"/>
-                <a:cs typeface="Lucida Sans Unicode"/>
-              </a:rPr>
-              <a:t> </a:t>
-            </a:r>
-            <a:r>
-              <a:rPr lang="en-US" sz="16000" spc="11" dirty="0">
-                <a:latin typeface="Lucida Sans Unicode"/>
-                <a:cs typeface="Lucida Sans Unicode"/>
-              </a:rPr>
-              <a:t>whereas a </a:t>
+              <a:t>structure, whereas a </a:t>
             </a:r>
             <a:r>
               <a:rPr lang="en-US" sz="16000" spc="32" dirty="0">
@@ -11423,175 +10749,14 @@
               <a:t> </a:t>
             </a:r>
             <a:r>
-              <a:rPr lang="en-US" sz="16000" spc="74" dirty="0">
-                <a:latin typeface="Lucida Sans Unicode"/>
-                <a:cs typeface="Lucida Sans Unicode"/>
-              </a:rPr>
-              <a:t>When</a:t>
-            </a:r>
-            <a:r>
-              <a:rPr lang="en-US" sz="16000" spc="-243" dirty="0">
-                <a:latin typeface="Lucida Sans Unicode"/>
-                <a:cs typeface="Lucida Sans Unicode"/>
-              </a:rPr>
-              <a:t> </a:t>
-            </a:r>
-            <a:r>
-              <a:rPr lang="en-US" sz="16000" spc="53" dirty="0">
-                <a:latin typeface="Lucida Sans Unicode"/>
-                <a:cs typeface="Lucida Sans Unicode"/>
-              </a:rPr>
-              <a:t>the</a:t>
-            </a:r>
-            <a:r>
-              <a:rPr lang="en-US" sz="16000" spc="-243" dirty="0">
-                <a:latin typeface="Lucida Sans Unicode"/>
-                <a:cs typeface="Lucida Sans Unicode"/>
-              </a:rPr>
-              <a:t> </a:t>
-            </a:r>
-            <a:r>
-              <a:rPr lang="en-US" sz="16000" spc="138" dirty="0">
-                <a:latin typeface="Lucida Sans Unicode"/>
-                <a:cs typeface="Lucida Sans Unicode"/>
-              </a:rPr>
-              <a:t>GDP</a:t>
-            </a:r>
-            <a:r>
-              <a:rPr lang="en-US" sz="16000" spc="-243" dirty="0">
-                <a:latin typeface="Lucida Sans Unicode"/>
-                <a:cs typeface="Lucida Sans Unicode"/>
-              </a:rPr>
-              <a:t> </a:t>
-            </a:r>
-            <a:r>
-              <a:rPr lang="en-US" sz="16000" spc="-11" dirty="0">
-                <a:latin typeface="Lucida Sans Unicode"/>
-                <a:cs typeface="Lucida Sans Unicode"/>
-              </a:rPr>
-              <a:t>growth </a:t>
-            </a:r>
-            <a:r>
-              <a:rPr lang="en-US" sz="16000" spc="43" dirty="0">
-                <a:latin typeface="Lucida Sans Unicode"/>
-                <a:cs typeface="Lucida Sans Unicode"/>
-              </a:rPr>
-              <a:t>rate </a:t>
-            </a:r>
-            <a:r>
-              <a:rPr lang="en-US" sz="16000" spc="-64" dirty="0">
-                <a:latin typeface="Lucida Sans Unicode"/>
-                <a:cs typeface="Lucida Sans Unicode"/>
-              </a:rPr>
-              <a:t>is </a:t>
-            </a:r>
-            <a:r>
-              <a:rPr lang="en-US" sz="16000" dirty="0">
-                <a:latin typeface="Lucida Sans Unicode"/>
-                <a:cs typeface="Lucida Sans Unicode"/>
-              </a:rPr>
-              <a:t>positive, </a:t>
-            </a:r>
-            <a:r>
-              <a:rPr lang="en-US" sz="16000" spc="53" dirty="0">
-                <a:latin typeface="Lucida Sans Unicode"/>
-                <a:cs typeface="Lucida Sans Unicode"/>
-              </a:rPr>
-              <a:t>the </a:t>
-            </a:r>
-            <a:r>
-              <a:rPr lang="en-US" sz="16000" spc="43" dirty="0">
-                <a:latin typeface="Lucida Sans Unicode"/>
-                <a:cs typeface="Lucida Sans Unicode"/>
-              </a:rPr>
-              <a:t>economy </a:t>
-            </a:r>
-            <a:r>
-              <a:rPr lang="en-US" sz="16000" spc="-64" dirty="0">
-                <a:latin typeface="Lucida Sans Unicode"/>
-                <a:cs typeface="Lucida Sans Unicode"/>
-              </a:rPr>
-              <a:t>is </a:t>
-            </a:r>
-            <a:r>
-              <a:rPr lang="en-US" sz="16000" spc="-96" dirty="0">
-                <a:latin typeface="Lucida Sans Unicode"/>
-                <a:cs typeface="Lucida Sans Unicode"/>
-              </a:rPr>
-              <a:t>growing, </a:t>
-            </a:r>
-            <a:r>
-              <a:rPr lang="en-US" sz="16000" spc="43" dirty="0">
-                <a:latin typeface="Lucida Sans Unicode"/>
-                <a:cs typeface="Lucida Sans Unicode"/>
-              </a:rPr>
-              <a:t>but </a:t>
-            </a:r>
-            <a:r>
-              <a:rPr lang="en-US" sz="16000" spc="21" dirty="0">
-                <a:latin typeface="Lucida Sans Unicode"/>
-                <a:cs typeface="Lucida Sans Unicode"/>
-              </a:rPr>
-              <a:t>when it </a:t>
-            </a:r>
-            <a:r>
-              <a:rPr lang="en-US" sz="16000" spc="-64" dirty="0">
-                <a:latin typeface="Lucida Sans Unicode"/>
-                <a:cs typeface="Lucida Sans Unicode"/>
-              </a:rPr>
-              <a:t>is </a:t>
-            </a:r>
-            <a:r>
-              <a:rPr lang="en-US" sz="16000" spc="-21" dirty="0">
-                <a:latin typeface="Lucida Sans Unicode"/>
-                <a:cs typeface="Lucida Sans Unicode"/>
-              </a:rPr>
-              <a:t>negative, </a:t>
-            </a:r>
-            <a:r>
-              <a:rPr lang="en-US" sz="16000" spc="53" dirty="0">
-                <a:latin typeface="Lucida Sans Unicode"/>
-                <a:cs typeface="Lucida Sans Unicode"/>
-              </a:rPr>
-              <a:t>the </a:t>
-            </a:r>
-            <a:r>
-              <a:rPr lang="en-US" sz="16000" spc="43" dirty="0">
-                <a:latin typeface="Lucida Sans Unicode"/>
-                <a:cs typeface="Lucida Sans Unicode"/>
-              </a:rPr>
-              <a:t>economy</a:t>
-            </a:r>
-            <a:r>
-              <a:rPr lang="en-US" sz="16000" spc="-243" dirty="0">
-                <a:latin typeface="Lucida Sans Unicode"/>
-                <a:cs typeface="Lucida Sans Unicode"/>
-              </a:rPr>
-              <a:t> </a:t>
-            </a:r>
-            <a:r>
-              <a:rPr lang="en-US" sz="16000" spc="-64" dirty="0">
-                <a:latin typeface="Lucida Sans Unicode"/>
-                <a:cs typeface="Lucida Sans Unicode"/>
-              </a:rPr>
-              <a:t>is</a:t>
-            </a:r>
-            <a:r>
-              <a:rPr lang="en-US" sz="16000" spc="-243" dirty="0">
-                <a:latin typeface="Lucida Sans Unicode"/>
-                <a:cs typeface="Lucida Sans Unicode"/>
-              </a:rPr>
-              <a:t> </a:t>
-            </a:r>
-            <a:r>
-              <a:rPr lang="en-US" sz="16000" dirty="0">
-                <a:latin typeface="Lucida Sans Unicode"/>
-                <a:cs typeface="Lucida Sans Unicode"/>
-              </a:rPr>
-              <a:t>contracting.</a:t>
-            </a:r>
-            <a:r>
-              <a:rPr lang="en-US" sz="16000" spc="-243" dirty="0">
+              <a:rPr lang="en-US" sz="16000" spc="74">
+                <a:latin typeface="Lucida Sans Unicode"/>
+                <a:cs typeface="Lucida Sans Unicode"/>
+              </a:rPr>
+              <a:t>The economy expands when the GDP growth rate is positive, while the economy contracts when it is negative.</a:t>
+            </a:r>
+            <a:r>
+              <a:rPr lang="en-US" sz="16000" spc="-243">
                 <a:latin typeface="Lucida Sans Unicode"/>
                 <a:cs typeface="Lucida Sans Unicode"/>
               </a:rPr>
